--- a/Documentation/4 - Suivi projet/Point_Equipe_2015-09-03.pptx
+++ b/Documentation/4 - Suivi projet/Point_Equipe_2015-09-03.pptx
@@ -216,7 +216,7 @@
             <a:fld id="{E52630F6-BB7E-4BB0-B3A1-C739EB574077}" type="datetimeFigureOut">
               <a:rPr lang="fr-FR" smtClean="0"/>
               <a:pPr/>
-              <a:t>03/09/2015</a:t>
+              <a:t>07/09/2015</a:t>
             </a:fld>
             <a:endParaRPr lang="fr-FR"/>
           </a:p>
@@ -1360,7 +1360,7 @@
                 </a:solidFill>
               </a:rPr>
               <a:pPr/>
-              <a:t>03/09/2015</a:t>
+              <a:t>07/09/2015</a:t>
             </a:fld>
             <a:endParaRPr lang="fr-FR" b="1" dirty="0">
               <a:solidFill>
@@ -1634,7 +1634,7 @@
             <a:fld id="{CE5A5207-E07B-4FCF-99F6-F8833A3BB3D7}" type="datetime1">
               <a:rPr lang="fr-FR" smtClean="0"/>
               <a:pPr/>
-              <a:t>03/09/2015</a:t>
+              <a:t>07/09/2015</a:t>
             </a:fld>
             <a:endParaRPr lang="fr-FR"/>
           </a:p>
@@ -1816,7 +1816,7 @@
             <a:fld id="{D68965C6-0898-43EA-9A99-A4039BB22876}" type="datetime1">
               <a:rPr lang="fr-FR" smtClean="0"/>
               <a:pPr/>
-              <a:t>03/09/2015</a:t>
+              <a:t>07/09/2015</a:t>
             </a:fld>
             <a:endParaRPr lang="fr-FR"/>
           </a:p>
@@ -1988,7 +1988,7 @@
             <a:fld id="{94B2F636-2596-4D20-BE75-DC7667EB0908}" type="datetime1">
               <a:rPr lang="fr-FR" smtClean="0"/>
               <a:pPr/>
-              <a:t>03/09/2015</a:t>
+              <a:t>07/09/2015</a:t>
             </a:fld>
             <a:endParaRPr lang="fr-FR"/>
           </a:p>
@@ -2236,7 +2236,7 @@
             <a:fld id="{3941AF55-5B35-49D2-89B7-6A012C2F0023}" type="datetime1">
               <a:rPr lang="fr-FR" smtClean="0"/>
               <a:pPr/>
-              <a:t>03/09/2015</a:t>
+              <a:t>07/09/2015</a:t>
             </a:fld>
             <a:endParaRPr lang="fr-FR"/>
           </a:p>
@@ -2526,7 +2526,7 @@
             <a:fld id="{B36C4D42-2F73-4BB2-8416-8B3A3DDD3EE7}" type="datetime1">
               <a:rPr lang="fr-FR" smtClean="0"/>
               <a:pPr/>
-              <a:t>03/09/2015</a:t>
+              <a:t>07/09/2015</a:t>
             </a:fld>
             <a:endParaRPr lang="fr-FR"/>
           </a:p>
@@ -2950,7 +2950,7 @@
             <a:fld id="{E456F79D-CD5D-4224-B1FA-5F7F3BAA4104}" type="datetime1">
               <a:rPr lang="fr-FR" smtClean="0"/>
               <a:pPr/>
-              <a:t>03/09/2015</a:t>
+              <a:t>07/09/2015</a:t>
             </a:fld>
             <a:endParaRPr lang="fr-FR"/>
           </a:p>
@@ -3070,7 +3070,7 @@
             <a:fld id="{0E910143-4D2C-4FF6-B0A6-06989F9BDBAC}" type="datetime1">
               <a:rPr lang="fr-FR" smtClean="0"/>
               <a:pPr/>
-              <a:t>03/09/2015</a:t>
+              <a:t>07/09/2015</a:t>
             </a:fld>
             <a:endParaRPr lang="fr-FR"/>
           </a:p>
@@ -3167,7 +3167,7 @@
             <a:fld id="{1E0A4A73-C55A-4735-A06F-415E5CC28EBA}" type="datetime1">
               <a:rPr lang="fr-FR" smtClean="0"/>
               <a:pPr/>
-              <a:t>03/09/2015</a:t>
+              <a:t>07/09/2015</a:t>
             </a:fld>
             <a:endParaRPr lang="fr-FR"/>
           </a:p>
@@ -3446,7 +3446,7 @@
             <a:fld id="{B73FC597-E398-43B4-BDF9-08A9085F6959}" type="datetime1">
               <a:rPr lang="fr-FR" smtClean="0"/>
               <a:pPr/>
-              <a:t>03/09/2015</a:t>
+              <a:t>07/09/2015</a:t>
             </a:fld>
             <a:endParaRPr lang="fr-FR"/>
           </a:p>
@@ -3701,7 +3701,7 @@
             <a:fld id="{D6C9D74D-BD35-47D9-98F8-EE91FA02EBB2}" type="datetime1">
               <a:rPr lang="fr-FR" smtClean="0"/>
               <a:pPr/>
-              <a:t>03/09/2015</a:t>
+              <a:t>07/09/2015</a:t>
             </a:fld>
             <a:endParaRPr lang="fr-FR"/>
           </a:p>
@@ -3916,7 +3916,7 @@
             <a:fld id="{C8E6BC2D-0CAC-4C60-B0A8-88D3FE659C6F}" type="datetime1">
               <a:rPr lang="fr-FR" smtClean="0"/>
               <a:pPr/>
-              <a:t>03/09/2015</a:t>
+              <a:t>07/09/2015</a:t>
             </a:fld>
             <a:endParaRPr lang="fr-FR"/>
           </a:p>
@@ -4777,15 +4777,7 @@
             </a:pPr>
             <a:r>
               <a:rPr lang="fr-FR" dirty="0" smtClean="0"/>
-              <a:t>Lot </a:t>
-            </a:r>
-            <a:r>
-              <a:rPr lang="fr-FR" dirty="0" smtClean="0"/>
-              <a:t>3.1 </a:t>
-            </a:r>
-            <a:r>
-              <a:rPr lang="fr-FR" dirty="0" smtClean="0"/>
-              <a:t>: Suivi chantier </a:t>
+              <a:t>Lot 3.1 : Suivi chantier </a:t>
             </a:r>
             <a:r>
               <a:rPr lang="fr-FR" dirty="0" err="1" smtClean="0"/>
@@ -4806,15 +4798,7 @@
             </a:pPr>
             <a:r>
               <a:rPr lang="fr-FR" dirty="0" smtClean="0"/>
-              <a:t>Lot </a:t>
-            </a:r>
-            <a:r>
-              <a:rPr lang="fr-FR" dirty="0" smtClean="0"/>
-              <a:t>3.1 </a:t>
-            </a:r>
-            <a:r>
-              <a:rPr lang="fr-FR" dirty="0" smtClean="0"/>
-              <a:t>: Suivi chantier SSIS</a:t>
+              <a:t>Lot 3.1 : Suivi chantier SSIS</a:t>
             </a:r>
           </a:p>
           <a:p>
@@ -4830,19 +4814,15 @@
             </a:pPr>
             <a:r>
               <a:rPr lang="fr-FR" dirty="0" smtClean="0"/>
-              <a:t>Lot </a:t>
-            </a:r>
-            <a:r>
-              <a:rPr lang="fr-FR" dirty="0" smtClean="0"/>
-              <a:t>3.1 </a:t>
-            </a:r>
-            <a:r>
-              <a:rPr lang="fr-FR" dirty="0" smtClean="0"/>
-              <a:t>: Suivi chantier </a:t>
+              <a:t>Lot 3.1 : Suivi chantier </a:t>
             </a:r>
             <a:r>
               <a:rPr lang="fr-FR" dirty="0" err="1" smtClean="0"/>
               <a:t>Benchmarking</a:t>
+            </a:r>
+            <a:r>
+              <a:rPr lang="fr-FR" smtClean="0"/>
+              <a:t> </a:t>
             </a:r>
             <a:endParaRPr lang="fr-FR" dirty="0" smtClean="0"/>
           </a:p>
@@ -5272,11 +5252,7 @@
                       </a:r>
                       <a:r>
                         <a:rPr lang="en-US" sz="1400" b="0" baseline="0" dirty="0" smtClean="0"/>
-                        <a:t> </a:t>
-                      </a:r>
-                      <a:r>
-                        <a:rPr lang="en-US" sz="1400" b="0" baseline="0" dirty="0" smtClean="0"/>
-                        <a:t>+ Document_Conception_ODE_v03_Brice.docx</a:t>
+                        <a:t> + Document_Conception_ODE_v03_Brice.docx</a:t>
                       </a:r>
                       <a:endParaRPr lang="en-US" sz="1400" b="0" dirty="0"/>
                     </a:p>
@@ -5975,7 +5951,6 @@
                         <a:rPr lang="fr-FR" sz="1400" b="0" u="none" baseline="0" dirty="0" smtClean="0"/>
                         <a:t> Excel</a:t>
                       </a:r>
-                      <a:endParaRPr lang="fr-FR" sz="1400" b="0" u="none" baseline="0" dirty="0" smtClean="0"/>
                     </a:p>
                   </a:txBody>
                   <a:tcPr/>
@@ -6033,7 +6008,6 @@
                         <a:rPr lang="fr-FR" sz="1400" b="0" u="none" dirty="0" smtClean="0"/>
                         <a:t>?</a:t>
                       </a:r>
-                      <a:endParaRPr lang="fr-FR" sz="1400" b="0" u="none" dirty="0" smtClean="0"/>
                     </a:p>
                   </a:txBody>
                   <a:tcPr/>
@@ -6061,7 +6035,6 @@
                         <a:rPr lang="fr-FR" sz="1400" b="0" baseline="0" dirty="0" smtClean="0"/>
                         <a:t>Compatibilité avec les autres outils 64 bits &gt; cf. doc de Bernard</a:t>
                       </a:r>
-                      <a:endParaRPr lang="fr-FR" sz="1400" b="0" baseline="0" dirty="0" smtClean="0"/>
                     </a:p>
                   </a:txBody>
                   <a:tcPr/>
@@ -6126,7 +6099,6 @@
                         <a:rPr lang="fr-FR" sz="1400" b="0" u="none" baseline="0" dirty="0" smtClean="0"/>
                         <a:t>-</a:t>
                       </a:r>
-                      <a:endParaRPr lang="fr-FR" sz="1400" b="0" u="none" baseline="0" dirty="0" smtClean="0"/>
                     </a:p>
                   </a:txBody>
                   <a:tcPr/>
@@ -6148,7 +6120,6 @@
                         <a:rPr lang="fr-FR" sz="1400" b="0" u="none" baseline="0" dirty="0" smtClean="0"/>
                         <a:t>-</a:t>
                       </a:r>
-                      <a:endParaRPr lang="fr-FR" sz="1400" b="0" u="none" baseline="0" dirty="0" smtClean="0"/>
                     </a:p>
                   </a:txBody>
                   <a:tcPr/>
@@ -6265,11 +6236,6 @@
               </a:rPr>
               <a:t> (Reports)</a:t>
             </a:r>
-            <a:endParaRPr lang="fr-FR" sz="1400" dirty="0" smtClean="0">
-              <a:solidFill>
-                <a:schemeClr val="tx1"/>
-              </a:solidFill>
-            </a:endParaRPr>
           </a:p>
         </p:txBody>
       </p:sp>
@@ -6629,7 +6595,6 @@
                         <a:rPr lang="fr-FR" sz="1400" b="0" baseline="0" dirty="0" smtClean="0"/>
                         <a:t>-</a:t>
                       </a:r>
-                      <a:endParaRPr lang="fr-FR" sz="1400" b="0" baseline="0" dirty="0" smtClean="0"/>
                     </a:p>
                   </a:txBody>
                   <a:tcPr/>
@@ -6655,7 +6620,6 @@
                         <a:rPr lang="fr-FR" sz="1400" b="0" baseline="0" dirty="0" smtClean="0"/>
                         <a:t>-</a:t>
                       </a:r>
-                      <a:endParaRPr lang="fr-FR" sz="1400" b="0" baseline="0" dirty="0" smtClean="0"/>
                     </a:p>
                   </a:txBody>
                   <a:tcPr/>
@@ -6679,7 +6643,6 @@
                         <a:rPr lang="fr-FR" sz="1400" b="0" u="none" baseline="0" dirty="0" smtClean="0"/>
                         <a:t>-</a:t>
                       </a:r>
-                      <a:endParaRPr lang="fr-FR" sz="1400" b="0" u="none" baseline="0" dirty="0" smtClean="0"/>
                     </a:p>
                   </a:txBody>
                   <a:tcPr/>
@@ -6705,7 +6668,6 @@
                         <a:rPr lang="fr-FR" sz="1400" b="0" u="none" baseline="0" dirty="0" smtClean="0"/>
                         <a:t> soucis mineurs avec l’ETL</a:t>
                       </a:r>
-                      <a:endParaRPr lang="fr-FR" sz="1400" b="0" u="none" baseline="0" dirty="0" smtClean="0"/>
                     </a:p>
                   </a:txBody>
                   <a:tcPr/>
@@ -6758,11 +6720,6 @@
               </a:rPr>
               <a:t>-</a:t>
             </a:r>
-            <a:endParaRPr lang="fr-FR" sz="1400" dirty="0" smtClean="0">
-              <a:solidFill>
-                <a:schemeClr val="tx1"/>
-              </a:solidFill>
-            </a:endParaRPr>
           </a:p>
         </p:txBody>
       </p:sp>
